--- a/documents/worldMap発表資料_舟見玲奈.pptx
+++ b/documents/worldMap発表資料_舟見玲奈.pptx
@@ -5412,7 +5412,7 @@
         </p:nvSpPr>
         <p:spPr>
           <a:xfrm>
-            <a:off x="925899" y="3740078"/>
+            <a:off x="864965" y="3192778"/>
             <a:ext cx="10678885" cy="568874"/>
           </a:xfrm>
           <a:prstGeom prst="rect">
@@ -5453,7 +5453,7 @@
         </p:nvSpPr>
         <p:spPr>
           <a:xfrm>
-            <a:off x="925900" y="3108395"/>
+            <a:off x="864966" y="3937266"/>
             <a:ext cx="10678885" cy="568874"/>
           </a:xfrm>
           <a:prstGeom prst="rect">
@@ -5474,7 +5474,7 @@
             </a:pPr>
             <a:r>
               <a:rPr kumimoji="1" lang="ja-JP" altLang="en-US" sz="2400" dirty="0"/>
-              <a:t>焦らずコツコツ。</a:t>
+              <a:t>そして、できれば、共有。</a:t>
             </a:r>
             <a:endParaRPr kumimoji="1" lang="en-US" altLang="ja-JP" sz="2400" dirty="0"/>
           </a:p>

--- a/documents/worldMap発表資料_舟見玲奈.pptx
+++ b/documents/worldMap発表資料_舟見玲奈.pptx
@@ -5473,8 +5473,8 @@
               </a:lnSpc>
             </a:pPr>
             <a:r>
-              <a:rPr kumimoji="1" lang="ja-JP" altLang="en-US" sz="2400" dirty="0"/>
-              <a:t>そして、できれば、共有。</a:t>
+              <a:rPr kumimoji="1" lang="ja-JP" altLang="en-US" sz="2400"/>
+              <a:t>そして、共有すること。</a:t>
             </a:r>
             <a:endParaRPr kumimoji="1" lang="en-US" altLang="ja-JP" sz="2400" dirty="0"/>
           </a:p>
